--- a/JSON-B-workshop-CGI.pptx
+++ b/JSON-B-workshop-CGI.pptx
@@ -24,7 +24,7 @@
     <p:sldId id="373" r:id="rId16"/>
   </p:sldIdLst>
   <p:sldSz cx="9144000" cy="6858000" type="screen4x3"/>
-  <p:notesSz cx="6858000" cy="9144000"/>
+  <p:notesSz cx="6797675" cy="9926638"/>
   <p:defaultTextStyle>
     <a:defPPr>
       <a:defRPr lang="en-US"/>
@@ -158,7 +158,7 @@
         <p:spPr>
           <a:xfrm>
             <a:off x="0" y="0"/>
-            <a:ext cx="2971800" cy="457200"/>
+            <a:ext cx="2945659" cy="496332"/>
           </a:xfrm>
           <a:prstGeom prst="rect">
             <a:avLst/>
@@ -190,8 +190,8 @@
         </p:nvSpPr>
         <p:spPr>
           <a:xfrm>
-            <a:off x="3884613" y="0"/>
-            <a:ext cx="2971800" cy="457200"/>
+            <a:off x="3850443" y="0"/>
+            <a:ext cx="2945659" cy="496332"/>
           </a:xfrm>
           <a:prstGeom prst="rect">
             <a:avLst/>
@@ -210,7 +210,7 @@
                 <a:latin typeface="Arial" pitchFamily="34" charset="0"/>
               </a:rPr>
               <a:pPr/>
-              <a:t>9/1/2017</a:t>
+              <a:t>9/5/2017</a:t>
             </a:fld>
             <a:endParaRPr lang="en-US" dirty="0">
               <a:latin typeface="Arial" pitchFamily="34" charset="0"/>
@@ -230,8 +230,8 @@
         </p:nvSpPr>
         <p:spPr>
           <a:xfrm>
-            <a:off x="0" y="8685213"/>
-            <a:ext cx="2971800" cy="457200"/>
+            <a:off x="0" y="9428583"/>
+            <a:ext cx="2945659" cy="496332"/>
           </a:xfrm>
           <a:prstGeom prst="rect">
             <a:avLst/>
@@ -263,8 +263,8 @@
         </p:nvSpPr>
         <p:spPr>
           <a:xfrm>
-            <a:off x="3884613" y="8685213"/>
-            <a:ext cx="2971800" cy="457200"/>
+            <a:off x="3850443" y="9428583"/>
+            <a:ext cx="2945659" cy="496332"/>
           </a:xfrm>
           <a:prstGeom prst="rect">
             <a:avLst/>
@@ -337,7 +337,7 @@
         <p:spPr>
           <a:xfrm>
             <a:off x="0" y="0"/>
-            <a:ext cx="2971800" cy="457200"/>
+            <a:ext cx="2945659" cy="496332"/>
           </a:xfrm>
           <a:prstGeom prst="rect">
             <a:avLst/>
@@ -369,8 +369,8 @@
         </p:nvSpPr>
         <p:spPr>
           <a:xfrm>
-            <a:off x="3884613" y="0"/>
-            <a:ext cx="2971800" cy="457200"/>
+            <a:off x="3850443" y="0"/>
+            <a:ext cx="2945659" cy="496332"/>
           </a:xfrm>
           <a:prstGeom prst="rect">
             <a:avLst/>
@@ -389,7 +389,7 @@
             <a:fld id="{B5D7A87D-1CDA-443F-BAE3-82C9C05446C3}" type="datetimeFigureOut">
               <a:rPr lang="en-US" smtClean="0"/>
               <a:pPr/>
-              <a:t>9/1/2017</a:t>
+              <a:t>9/5/2017</a:t>
             </a:fld>
             <a:endParaRPr lang="en-US" dirty="0"/>
           </a:p>
@@ -407,8 +407,8 @@
         </p:nvSpPr>
         <p:spPr>
           <a:xfrm>
-            <a:off x="1143000" y="685800"/>
-            <a:ext cx="4572000" cy="3429000"/>
+            <a:off x="917575" y="744538"/>
+            <a:ext cx="4962525" cy="3722687"/>
           </a:xfrm>
           <a:prstGeom prst="rect">
             <a:avLst/>
@@ -440,8 +440,8 @@
         </p:nvSpPr>
         <p:spPr>
           <a:xfrm>
-            <a:off x="685800" y="4343400"/>
-            <a:ext cx="5486400" cy="4114800"/>
+            <a:off x="679768" y="4715153"/>
+            <a:ext cx="5438140" cy="4466987"/>
           </a:xfrm>
           <a:prstGeom prst="rect">
             <a:avLst/>
@@ -502,8 +502,8 @@
         </p:nvSpPr>
         <p:spPr>
           <a:xfrm>
-            <a:off x="0" y="8685213"/>
-            <a:ext cx="2971800" cy="457200"/>
+            <a:off x="0" y="9428583"/>
+            <a:ext cx="2945659" cy="496332"/>
           </a:xfrm>
           <a:prstGeom prst="rect">
             <a:avLst/>
@@ -535,8 +535,8 @@
         </p:nvSpPr>
         <p:spPr>
           <a:xfrm>
-            <a:off x="3884613" y="8685213"/>
-            <a:ext cx="2971800" cy="457200"/>
+            <a:off x="3850443" y="9428583"/>
+            <a:ext cx="2945659" cy="496332"/>
           </a:xfrm>
           <a:prstGeom prst="rect">
             <a:avLst/>
@@ -45616,14 +45616,12 @@
               <a:rPr lang="en-GB" dirty="0" smtClean="0"/>
               <a:t>Koos Drost</a:t>
             </a:r>
-            <a:endParaRPr lang="en-GB" dirty="0" smtClean="0"/>
           </a:p>
           <a:p>
             <a:r>
               <a:rPr lang="en-GB" dirty="0" smtClean="0"/>
               <a:t>05-09-2017</a:t>
             </a:r>
-            <a:endParaRPr lang="en-GB" dirty="0" smtClean="0"/>
           </a:p>
           <a:p>
             <a:endParaRPr lang="en-US" dirty="0" smtClean="0"/>
@@ -46441,25 +46439,8 @@
                   </a:schemeClr>
                 </a:solidFill>
               </a:rPr>
-              <a:t>annotations</a:t>
-            </a:r>
-            <a:r>
-              <a:rPr lang="en-US" sz="2800" dirty="0" smtClean="0">
-                <a:solidFill>
-                  <a:schemeClr val="accent1">
-                    <a:lumMod val="75000"/>
-                  </a:schemeClr>
-                </a:solidFill>
-              </a:rPr>
-              <a:t>”</a:t>
-            </a:r>
-            <a:endParaRPr lang="en-US" sz="2800" dirty="0" smtClean="0">
-              <a:solidFill>
-                <a:schemeClr val="accent1">
-                  <a:lumMod val="75000"/>
-                </a:schemeClr>
-              </a:solidFill>
-            </a:endParaRPr>
+              <a:t>annotations”</a:t>
+            </a:r>
           </a:p>
         </p:txBody>
       </p:sp>
@@ -46811,7 +46792,33 @@
           <a:p>
             <a:r>
               <a:rPr lang="nl-NL" b="1" dirty="0"/>
-              <a:t>Lab 1 </a:t>
+              <a:t>Lab </a:t>
+            </a:r>
+            <a:r>
+              <a:rPr lang="nl-NL" b="1"/>
+              <a:t>1 </a:t>
+            </a:r>
+            <a:r>
+              <a:rPr lang="nl-NL" b="1">
+                <a:hlinkClick r:id="rId2"/>
+              </a:rPr>
+              <a:t>https</a:t>
+            </a:r>
+            <a:r>
+              <a:rPr lang="nl-NL" b="1">
+                <a:hlinkClick r:id="rId2"/>
+              </a:rPr>
+              <a:t>://</a:t>
+            </a:r>
+            <a:r>
+              <a:rPr lang="nl-NL" b="1" smtClean="0">
+                <a:hlinkClick r:id="rId2"/>
+              </a:rPr>
+              <a:t>github.com/koosdrost/workshop</a:t>
+            </a:r>
+            <a:r>
+              <a:rPr lang="nl-NL" b="1" smtClean="0"/>
+              <a:t> </a:t>
             </a:r>
             <a:endParaRPr lang="nl-NL" b="1" dirty="0" smtClean="0"/>
           </a:p>
@@ -52995,69 +53002,6 @@
 
 <file path=customXml/item1.xml><?xml version="1.0" encoding="utf-8"?>
 <?mso-contentType ?>
-<FormTemplates xmlns="http://schemas.microsoft.com/sharepoint/v3/contenttype/forms">
-  <Display>DocumentLibraryForm</Display>
-  <Edit>DocumentLibraryForm</Edit>
-  <New>DocumentLibraryForm</New>
-</FormTemplates>
-</file>
-
-<file path=customXml/item2.xml><?xml version="1.0" encoding="utf-8"?>
-<p:properties xmlns:p="http://schemas.microsoft.com/office/2006/metadata/properties" xmlns:xsi="http://www.w3.org/2001/XMLSchema-instance">
-  <documentManagement>
-    <c5aebc35b3e840e5912c276ffe755dcf xmlns="d95a5b16-1b8d-4c7c-9ebf-89c0983b6970">
-      <Terms xmlns="http://schemas.microsoft.com/office/infopath/2007/PartnerControls"/>
-    </c5aebc35b3e840e5912c276ffe755dcf>
-    <c79d12643ffc4d60ab657aaa1718cc32 xmlns="d95a5b16-1b8d-4c7c-9ebf-89c0983b6970">
-      <Terms xmlns="http://schemas.microsoft.com/office/infopath/2007/PartnerControls">
-        <TermInfo xmlns="http://schemas.microsoft.com/office/infopath/2007/PartnerControls">
-          <TermName xmlns="http://schemas.microsoft.com/office/infopath/2007/PartnerControls">Global</TermName>
-          <TermId xmlns="http://schemas.microsoft.com/office/infopath/2007/PartnerControls">43ac7042-3752-4f1b-8a93-43b36e65d3e5</TermId>
-        </TermInfo>
-      </Terms>
-    </c79d12643ffc4d60ab657aaa1718cc32>
-    <p43f7bb208e443c9b50eb304fe6606a3 xmlns="d95a5b16-1b8d-4c7c-9ebf-89c0983b6970">
-      <Terms xmlns="http://schemas.microsoft.com/office/infopath/2007/PartnerControls"/>
-    </p43f7bb208e443c9b50eb304fe6606a3>
-    <TaxCatchAll xmlns="d95a5b16-1b8d-4c7c-9ebf-89c0983b6970">
-      <Value>260</Value>
-    </TaxCatchAll>
-    <h4c66fbf292e4125b0e390af25f11c04 xmlns="d95a5b16-1b8d-4c7c-9ebf-89c0983b6970">
-      <Terms xmlns="http://schemas.microsoft.com/office/infopath/2007/PartnerControls"/>
-    </h4c66fbf292e4125b0e390af25f11c04>
-    <eafb632c3f5c40ba98242be6bbd6bb17 xmlns="d95a5b16-1b8d-4c7c-9ebf-89c0983b6970">
-      <Terms xmlns="http://schemas.microsoft.com/office/infopath/2007/PartnerControls"/>
-    </eafb632c3f5c40ba98242be6bbd6bb17>
-    <Creator xmlns="d95a5b16-1b8d-4c7c-9ebf-89c0983b6970" xsi:nil="true"/>
-    <Language xmlns="http://schemas.microsoft.com/sharepoint/v3">EN</Language>
-    <Abstract xmlns="d95a5b16-1b8d-4c7c-9ebf-89c0983b6970">CGI-beet-option_EN</Abstract>
-    <External_x0020_Use xmlns="d95a5b16-1b8d-4c7c-9ebf-89c0983b6970">No</External_x0020_Use>
-    <Owner_x0020_Organisation xmlns="d95a5b16-1b8d-4c7c-9ebf-89c0983b6970">Group</Owner_x0020_Organisation>
-    <BS_x0020_Document_x0020_Sub_x0020_Type xmlns="d95a5b16-1b8d-4c7c-9ebf-89c0983b6970">Pro Forma</BS_x0020_Document_x0020_Sub_x0020_Type>
-    <Market xmlns="d95a5b16-1b8d-4c7c-9ebf-89c0983b6970"/>
-    <Best_x0020_Before_x0020_Date xmlns="d95a5b16-1b8d-4c7c-9ebf-89c0983b6970">2020-08-28T23:00:00+00:00</Best_x0020_Before_x0020_Date>
-    <Published_x0020_By xmlns="d95a5b16-1b8d-4c7c-9ebf-89c0983b6970">
-      <UserInfo>
-        <DisplayName>Stiller, Regina C</DisplayName>
-        <AccountId>55167</AccountId>
-        <AccountType/>
-      </UserInfo>
-    </Published_x0020_By>
-    <Publication_x0020_Date xmlns="d95a5b16-1b8d-4c7c-9ebf-89c0983b6970">2015-08-28T23:00:00+00:00</Publication_x0020_Date>
-    <Geographic_x0020_Region xmlns="d95a5b16-1b8d-4c7c-9ebf-89c0983b6970"/>
-    <TaxKeywordTaxHTField xmlns="d95a5b16-1b8d-4c7c-9ebf-89c0983b6970">
-      <Terms xmlns="http://schemas.microsoft.com/office/infopath/2007/PartnerControls"/>
-    </TaxKeywordTaxHTField>
-    <b0f7c43cb32a4bb99696cc0157e407bc xmlns="d95a5b16-1b8d-4c7c-9ebf-89c0983b6970">
-      <Terms xmlns="http://schemas.microsoft.com/office/infopath/2007/PartnerControls"/>
-    </b0f7c43cb32a4bb99696cc0157e407bc>
-    <CSMeta2010Field xmlns="http://schemas.microsoft.com/sharepoint/v3">a1a8a2be-0578-4c61-8abd-6dccca5e33fd;2017-08-30 20:15:33;AUTOCLASSIFIED;Business theme:2017-08-30 20:15:33|False||AUTOCLASSIFIED|2017-08-30 20:15:33|UNDEFINED|943f7bb2-08e4-43c9-b50e-b304fe6606a3;Organization:2017-08-30 20:15:33|False||AUTOCLASSIFIED|2017-08-30 20:15:33|UNDEFINED|c79d1264-3ffc-4d60-ab65-7aaa1718cc32;Sector:2017-08-30 20:15:33|False||AUTOCLASSIFIED|2017-08-30 20:15:33|UNDEFINED|c5aebc35-b3e8-40e5-912c-276ffe755dcf;Proposition:2017-08-30 20:15:33|False||AUTOCLASSIFIED|2017-08-30 20:15:33|UNDEFINED|14c66fbf-292e-4125-b0e3-90af25f11c04;Service line:2017-08-30 20:15:33|False||AUTOCLASSIFIED|2017-08-30 20:15:33|UNDEFINED|eafb632c-3f5c-40ba-9824-2be6bbd6bb17;Business Practice:2017-08-30 20:15:33|False||AUTOCLASSIFIED|2017-08-30 20:15:33|UNDEFINED|b0f7c43c-b32a-4bb9-9696-cc0157e407bc;False</CSMeta2010Field>
-  </documentManagement>
-</p:properties>
-</file>
-
-<file path=customXml/item3.xml><?xml version="1.0" encoding="utf-8"?>
-<?mso-contentType ?>
 <spe:Receivers xmlns:spe="http://schemas.microsoft.com/sharepoint/events">
   <Receiver>
     <Name>ItemUpdatedEventHandlerForConceptSearch</Name>
@@ -53190,6 +53134,69 @@
     <Filter/>
   </Receiver>
 </spe:Receivers>
+</file>
+
+<file path=customXml/item2.xml><?xml version="1.0" encoding="utf-8"?>
+<p:properties xmlns:p="http://schemas.microsoft.com/office/2006/metadata/properties" xmlns:xsi="http://www.w3.org/2001/XMLSchema-instance">
+  <documentManagement>
+    <c5aebc35b3e840e5912c276ffe755dcf xmlns="d95a5b16-1b8d-4c7c-9ebf-89c0983b6970">
+      <Terms xmlns="http://schemas.microsoft.com/office/infopath/2007/PartnerControls"/>
+    </c5aebc35b3e840e5912c276ffe755dcf>
+    <c79d12643ffc4d60ab657aaa1718cc32 xmlns="d95a5b16-1b8d-4c7c-9ebf-89c0983b6970">
+      <Terms xmlns="http://schemas.microsoft.com/office/infopath/2007/PartnerControls">
+        <TermInfo xmlns="http://schemas.microsoft.com/office/infopath/2007/PartnerControls">
+          <TermName xmlns="http://schemas.microsoft.com/office/infopath/2007/PartnerControls">Global</TermName>
+          <TermId xmlns="http://schemas.microsoft.com/office/infopath/2007/PartnerControls">43ac7042-3752-4f1b-8a93-43b36e65d3e5</TermId>
+        </TermInfo>
+      </Terms>
+    </c79d12643ffc4d60ab657aaa1718cc32>
+    <p43f7bb208e443c9b50eb304fe6606a3 xmlns="d95a5b16-1b8d-4c7c-9ebf-89c0983b6970">
+      <Terms xmlns="http://schemas.microsoft.com/office/infopath/2007/PartnerControls"/>
+    </p43f7bb208e443c9b50eb304fe6606a3>
+    <TaxCatchAll xmlns="d95a5b16-1b8d-4c7c-9ebf-89c0983b6970">
+      <Value>260</Value>
+    </TaxCatchAll>
+    <h4c66fbf292e4125b0e390af25f11c04 xmlns="d95a5b16-1b8d-4c7c-9ebf-89c0983b6970">
+      <Terms xmlns="http://schemas.microsoft.com/office/infopath/2007/PartnerControls"/>
+    </h4c66fbf292e4125b0e390af25f11c04>
+    <eafb632c3f5c40ba98242be6bbd6bb17 xmlns="d95a5b16-1b8d-4c7c-9ebf-89c0983b6970">
+      <Terms xmlns="http://schemas.microsoft.com/office/infopath/2007/PartnerControls"/>
+    </eafb632c3f5c40ba98242be6bbd6bb17>
+    <Creator xmlns="d95a5b16-1b8d-4c7c-9ebf-89c0983b6970" xsi:nil="true"/>
+    <Language xmlns="http://schemas.microsoft.com/sharepoint/v3">EN</Language>
+    <Abstract xmlns="d95a5b16-1b8d-4c7c-9ebf-89c0983b6970">CGI-beet-option_EN</Abstract>
+    <External_x0020_Use xmlns="d95a5b16-1b8d-4c7c-9ebf-89c0983b6970">No</External_x0020_Use>
+    <Owner_x0020_Organisation xmlns="d95a5b16-1b8d-4c7c-9ebf-89c0983b6970">Group</Owner_x0020_Organisation>
+    <BS_x0020_Document_x0020_Sub_x0020_Type xmlns="d95a5b16-1b8d-4c7c-9ebf-89c0983b6970">Pro Forma</BS_x0020_Document_x0020_Sub_x0020_Type>
+    <Market xmlns="d95a5b16-1b8d-4c7c-9ebf-89c0983b6970"/>
+    <Best_x0020_Before_x0020_Date xmlns="d95a5b16-1b8d-4c7c-9ebf-89c0983b6970">2020-08-28T23:00:00+00:00</Best_x0020_Before_x0020_Date>
+    <Published_x0020_By xmlns="d95a5b16-1b8d-4c7c-9ebf-89c0983b6970">
+      <UserInfo>
+        <DisplayName>Stiller, Regina C</DisplayName>
+        <AccountId>55167</AccountId>
+        <AccountType/>
+      </UserInfo>
+    </Published_x0020_By>
+    <Publication_x0020_Date xmlns="d95a5b16-1b8d-4c7c-9ebf-89c0983b6970">2015-08-28T23:00:00+00:00</Publication_x0020_Date>
+    <Geographic_x0020_Region xmlns="d95a5b16-1b8d-4c7c-9ebf-89c0983b6970"/>
+    <TaxKeywordTaxHTField xmlns="d95a5b16-1b8d-4c7c-9ebf-89c0983b6970">
+      <Terms xmlns="http://schemas.microsoft.com/office/infopath/2007/PartnerControls"/>
+    </TaxKeywordTaxHTField>
+    <b0f7c43cb32a4bb99696cc0157e407bc xmlns="d95a5b16-1b8d-4c7c-9ebf-89c0983b6970">
+      <Terms xmlns="http://schemas.microsoft.com/office/infopath/2007/PartnerControls"/>
+    </b0f7c43cb32a4bb99696cc0157e407bc>
+    <CSMeta2010Field xmlns="http://schemas.microsoft.com/sharepoint/v3">a1a8a2be-0578-4c61-8abd-6dccca5e33fd;2017-08-30 20:15:33;AUTOCLASSIFIED;Business theme:2017-08-30 20:15:33|False||AUTOCLASSIFIED|2017-08-30 20:15:33|UNDEFINED|943f7bb2-08e4-43c9-b50e-b304fe6606a3;Organization:2017-08-30 20:15:33|False||AUTOCLASSIFIED|2017-08-30 20:15:33|UNDEFINED|c79d1264-3ffc-4d60-ab65-7aaa1718cc32;Sector:2017-08-30 20:15:33|False||AUTOCLASSIFIED|2017-08-30 20:15:33|UNDEFINED|c5aebc35-b3e8-40e5-912c-276ffe755dcf;Proposition:2017-08-30 20:15:33|False||AUTOCLASSIFIED|2017-08-30 20:15:33|UNDEFINED|14c66fbf-292e-4125-b0e3-90af25f11c04;Service line:2017-08-30 20:15:33|False||AUTOCLASSIFIED|2017-08-30 20:15:33|UNDEFINED|eafb632c-3f5c-40ba-9824-2be6bbd6bb17;Business Practice:2017-08-30 20:15:33|False||AUTOCLASSIFIED|2017-08-30 20:15:33|UNDEFINED|b0f7c43c-b32a-4bb9-9696-cc0157e407bc;False</CSMeta2010Field>
+  </documentManagement>
+</p:properties>
+</file>
+
+<file path=customXml/item3.xml><?xml version="1.0" encoding="utf-8"?>
+<?mso-contentType ?>
+<FormTemplates xmlns="http://schemas.microsoft.com/sharepoint/v3/contenttype/forms">
+  <Display>DocumentLibraryForm</Display>
+  <Edit>DocumentLibraryForm</Edit>
+  <New>DocumentLibraryForm</New>
+</FormTemplates>
 </file>
 
 <file path=customXml/item4.xml><?xml version="1.0" encoding="utf-8"?>
@@ -53615,9 +53622,9 @@
 </file>
 
 <file path=customXml/itemProps1.xml><?xml version="1.0" encoding="utf-8"?>
-<ds:datastoreItem xmlns:ds="http://schemas.openxmlformats.org/officeDocument/2006/customXml" ds:itemID="{ADA5D674-9920-4D2F-B065-BC24FD29F86D}">
+<ds:datastoreItem xmlns:ds="http://schemas.openxmlformats.org/officeDocument/2006/customXml" ds:itemID="{2D878581-91F4-4FF4-B9D6-BDFD7A656587}">
   <ds:schemaRefs>
-    <ds:schemaRef ds:uri="http://schemas.microsoft.com/sharepoint/v3/contenttype/forms"/>
+    <ds:schemaRef ds:uri="http://schemas.microsoft.com/sharepoint/events"/>
   </ds:schemaRefs>
 </ds:datastoreItem>
 </file>
@@ -53626,23 +53633,23 @@
 <ds:datastoreItem xmlns:ds="http://schemas.openxmlformats.org/officeDocument/2006/customXml" ds:itemID="{2F4C4F6A-F6A5-45C8-BAAA-52FB70E387C7}">
   <ds:schemaRefs>
     <ds:schemaRef ds:uri="http://schemas.openxmlformats.org/package/2006/metadata/core-properties"/>
+    <ds:schemaRef ds:uri="http://purl.org/dc/dcmitype/"/>
     <ds:schemaRef ds:uri="http://schemas.microsoft.com/office/2006/documentManagement/types"/>
-    <ds:schemaRef ds:uri="http://purl.org/dc/dcmitype/"/>
-    <ds:schemaRef ds:uri="http://schemas.microsoft.com/sharepoint/v3"/>
     <ds:schemaRef ds:uri="http://www.w3.org/XML/1998/namespace"/>
     <ds:schemaRef ds:uri="http://purl.org/dc/elements/1.1/"/>
+    <ds:schemaRef ds:uri="http://schemas.microsoft.com/office/infopath/2007/PartnerControls"/>
+    <ds:schemaRef ds:uri="http://purl.org/dc/terms/"/>
+    <ds:schemaRef ds:uri="d95a5b16-1b8d-4c7c-9ebf-89c0983b6970"/>
+    <ds:schemaRef ds:uri="http://schemas.microsoft.com/sharepoint/v3"/>
     <ds:schemaRef ds:uri="http://schemas.microsoft.com/office/2006/metadata/properties"/>
-    <ds:schemaRef ds:uri="http://schemas.microsoft.com/office/infopath/2007/PartnerControls"/>
-    <ds:schemaRef ds:uri="d95a5b16-1b8d-4c7c-9ebf-89c0983b6970"/>
-    <ds:schemaRef ds:uri="http://purl.org/dc/terms/"/>
   </ds:schemaRefs>
 </ds:datastoreItem>
 </file>
 
 <file path=customXml/itemProps3.xml><?xml version="1.0" encoding="utf-8"?>
-<ds:datastoreItem xmlns:ds="http://schemas.openxmlformats.org/officeDocument/2006/customXml" ds:itemID="{2D878581-91F4-4FF4-B9D6-BDFD7A656587}">
+<ds:datastoreItem xmlns:ds="http://schemas.openxmlformats.org/officeDocument/2006/customXml" ds:itemID="{ADA5D674-9920-4D2F-B065-BC24FD29F86D}">
   <ds:schemaRefs>
-    <ds:schemaRef ds:uri="http://schemas.microsoft.com/sharepoint/events"/>
+    <ds:schemaRef ds:uri="http://schemas.microsoft.com/sharepoint/v3/contenttype/forms"/>
   </ds:schemaRefs>
 </ds:datastoreItem>
 </file>
